--- a/Database Administrator/Module3-Administration Tools and Usage/3.2-Stakeholder Engagement in Data Management(2th-4p)/Stakeholder Engagement in Data Management.pptx
+++ b/Database Administrator/Module3-Administration Tools and Usage/3.2-Stakeholder Engagement in Data Management(2th-4p)/Stakeholder Engagement in Data Management.pptx
@@ -125,7 +125,7 @@
   <pc:docChgLst>
     <pc:chgData name="Krishna Kant Dubey" userId="cd28fa1e1902c48d" providerId="LiveId" clId="{07D3CC2D-92E8-43C3-AA48-E8C54BEEEEDD}"/>
     <pc:docChg chg="undo custSel modSld">
-      <pc:chgData name="Krishna Kant Dubey" userId="cd28fa1e1902c48d" providerId="LiveId" clId="{07D3CC2D-92E8-43C3-AA48-E8C54BEEEEDD}" dt="2025-08-05T10:10:26.102" v="4"/>
+      <pc:chgData name="Krishna Kant Dubey" userId="cd28fa1e1902c48d" providerId="LiveId" clId="{07D3CC2D-92E8-43C3-AA48-E8C54BEEEEDD}" dt="2025-08-11T06:07:31.572" v="5"/>
       <pc:docMkLst>
         <pc:docMk/>
       </pc:docMkLst>
@@ -143,6 +143,21 @@
             <ac:spMk id="12" creationId="{941B6D05-14FE-733C-BADE-E07A8CDD1589}"/>
           </ac:spMkLst>
         </pc:spChg>
+      </pc:sldChg>
+      <pc:sldChg chg="addSp modSp">
+        <pc:chgData name="Krishna Kant Dubey" userId="cd28fa1e1902c48d" providerId="LiveId" clId="{07D3CC2D-92E8-43C3-AA48-E8C54BEEEEDD}" dt="2025-08-11T06:07:31.572" v="5"/>
+        <pc:sldMkLst>
+          <pc:docMk/>
+          <pc:sldMk cId="2381247086" sldId="257"/>
+        </pc:sldMkLst>
+        <pc:picChg chg="add mod">
+          <ac:chgData name="Krishna Kant Dubey" userId="cd28fa1e1902c48d" providerId="LiveId" clId="{07D3CC2D-92E8-43C3-AA48-E8C54BEEEEDD}" dt="2025-08-11T06:07:31.572" v="5"/>
+          <ac:picMkLst>
+            <pc:docMk/>
+            <pc:sldMk cId="2381247086" sldId="257"/>
+            <ac:picMk id="3" creationId="{49D86A38-3EE8-3EE8-6AF2-C0DB66DB3443}"/>
+          </ac:picMkLst>
+        </pc:picChg>
       </pc:sldChg>
     </pc:docChg>
   </pc:docChgLst>
@@ -322,7 +337,7 @@
           <a:p>
             <a:fld id="{771BC1E5-8BD3-45A8-A8D4-BE6B8D3F526F}" type="datetimeFigureOut">
               <a:rPr lang="en-IN" smtClean="0"/>
-              <a:t>05-08-2025</a:t>
+              <a:t>11-08-2025</a:t>
             </a:fld>
             <a:endParaRPr lang="en-IN"/>
           </a:p>
@@ -739,7 +754,7 @@
           <a:p>
             <a:fld id="{8B8265E5-5E35-4F50-869B-ACC7CF337DF9}" type="datetimeFigureOut">
               <a:rPr lang="en-IN" smtClean="0"/>
-              <a:t>05-08-2025</a:t>
+              <a:t>11-08-2025</a:t>
             </a:fld>
             <a:endParaRPr lang="en-IN"/>
           </a:p>
@@ -939,7 +954,7 @@
           <a:p>
             <a:fld id="{8B8265E5-5E35-4F50-869B-ACC7CF337DF9}" type="datetimeFigureOut">
               <a:rPr lang="en-IN" smtClean="0"/>
-              <a:t>05-08-2025</a:t>
+              <a:t>11-08-2025</a:t>
             </a:fld>
             <a:endParaRPr lang="en-IN"/>
           </a:p>
@@ -1149,7 +1164,7 @@
           <a:p>
             <a:fld id="{8B8265E5-5E35-4F50-869B-ACC7CF337DF9}" type="datetimeFigureOut">
               <a:rPr lang="en-IN" smtClean="0"/>
-              <a:t>05-08-2025</a:t>
+              <a:t>11-08-2025</a:t>
             </a:fld>
             <a:endParaRPr lang="en-IN"/>
           </a:p>
@@ -1349,7 +1364,7 @@
           <a:p>
             <a:fld id="{8B8265E5-5E35-4F50-869B-ACC7CF337DF9}" type="datetimeFigureOut">
               <a:rPr lang="en-IN" smtClean="0"/>
-              <a:t>05-08-2025</a:t>
+              <a:t>11-08-2025</a:t>
             </a:fld>
             <a:endParaRPr lang="en-IN"/>
           </a:p>
@@ -1625,7 +1640,7 @@
           <a:p>
             <a:fld id="{8B8265E5-5E35-4F50-869B-ACC7CF337DF9}" type="datetimeFigureOut">
               <a:rPr lang="en-IN" smtClean="0"/>
-              <a:t>05-08-2025</a:t>
+              <a:t>11-08-2025</a:t>
             </a:fld>
             <a:endParaRPr lang="en-IN"/>
           </a:p>
@@ -1893,7 +1908,7 @@
           <a:p>
             <a:fld id="{8B8265E5-5E35-4F50-869B-ACC7CF337DF9}" type="datetimeFigureOut">
               <a:rPr lang="en-IN" smtClean="0"/>
-              <a:t>05-08-2025</a:t>
+              <a:t>11-08-2025</a:t>
             </a:fld>
             <a:endParaRPr lang="en-IN"/>
           </a:p>
@@ -2308,7 +2323,7 @@
           <a:p>
             <a:fld id="{8B8265E5-5E35-4F50-869B-ACC7CF337DF9}" type="datetimeFigureOut">
               <a:rPr lang="en-IN" smtClean="0"/>
-              <a:t>05-08-2025</a:t>
+              <a:t>11-08-2025</a:t>
             </a:fld>
             <a:endParaRPr lang="en-IN"/>
           </a:p>
@@ -2450,7 +2465,7 @@
           <a:p>
             <a:fld id="{8B8265E5-5E35-4F50-869B-ACC7CF337DF9}" type="datetimeFigureOut">
               <a:rPr lang="en-IN" smtClean="0"/>
-              <a:t>05-08-2025</a:t>
+              <a:t>11-08-2025</a:t>
             </a:fld>
             <a:endParaRPr lang="en-IN"/>
           </a:p>
@@ -2563,7 +2578,7 @@
           <a:p>
             <a:fld id="{8B8265E5-5E35-4F50-869B-ACC7CF337DF9}" type="datetimeFigureOut">
               <a:rPr lang="en-IN" smtClean="0"/>
-              <a:t>05-08-2025</a:t>
+              <a:t>11-08-2025</a:t>
             </a:fld>
             <a:endParaRPr lang="en-IN"/>
           </a:p>
@@ -2876,7 +2891,7 @@
           <a:p>
             <a:fld id="{8B8265E5-5E35-4F50-869B-ACC7CF337DF9}" type="datetimeFigureOut">
               <a:rPr lang="en-IN" smtClean="0"/>
-              <a:t>05-08-2025</a:t>
+              <a:t>11-08-2025</a:t>
             </a:fld>
             <a:endParaRPr lang="en-IN"/>
           </a:p>
@@ -3165,7 +3180,7 @@
           <a:p>
             <a:fld id="{8B8265E5-5E35-4F50-869B-ACC7CF337DF9}" type="datetimeFigureOut">
               <a:rPr lang="en-IN" smtClean="0"/>
-              <a:t>05-08-2025</a:t>
+              <a:t>11-08-2025</a:t>
             </a:fld>
             <a:endParaRPr lang="en-IN"/>
           </a:p>
@@ -3408,7 +3423,7 @@
           <a:p>
             <a:fld id="{8B8265E5-5E35-4F50-869B-ACC7CF337DF9}" type="datetimeFigureOut">
               <a:rPr lang="en-IN" smtClean="0"/>
-              <a:t>05-08-2025</a:t>
+              <a:t>11-08-2025</a:t>
             </a:fld>
             <a:endParaRPr lang="en-IN"/>
           </a:p>
@@ -3957,6 +3972,41 @@
           </a:p>
         </p:txBody>
       </p:sp>
+      <p:pic>
+        <p:nvPicPr>
+          <p:cNvPr id="3" name="Content Placeholder 4">
+            <a:extLst>
+              <a:ext uri="{FF2B5EF4-FFF2-40B4-BE49-F238E27FC236}">
+                <a16:creationId xmlns:a16="http://schemas.microsoft.com/office/drawing/2014/main" id="{49D86A38-3EE8-3EE8-6AF2-C0DB66DB3443}"/>
+              </a:ext>
+            </a:extLst>
+          </p:cNvPr>
+          <p:cNvPicPr>
+            <a:picLocks noGrp="1" noChangeAspect="1"/>
+          </p:cNvPicPr>
+          <p:nvPr/>
+        </p:nvPicPr>
+        <p:blipFill>
+          <a:blip r:embed="rId4">
+            <a:extLst>
+              <a:ext uri="{28A0092B-C50C-407E-A947-70E740481C1C}">
+                <a14:useLocalDpi xmlns:a14="http://schemas.microsoft.com/office/drawing/2010/main" val="0"/>
+              </a:ext>
+            </a:extLst>
+          </a:blip>
+          <a:srcRect/>
+          <a:stretch/>
+        </p:blipFill>
+        <p:spPr>
+          <a:xfrm>
+            <a:off x="-3047" y="0"/>
+            <a:ext cx="12198095" cy="6858000"/>
+          </a:xfrm>
+          <a:prstGeom prst="rect">
+            <a:avLst/>
+          </a:prstGeom>
+        </p:spPr>
+      </p:pic>
     </p:spTree>
     <p:extLst>
       <p:ext uri="{BB962C8B-B14F-4D97-AF65-F5344CB8AC3E}">
